--- a/ppt 16-9/1250.乐园所种无花.pptx
+++ b/ppt 16-9/1250.乐园所种无花.pptx
@@ -129,7 +129,7 @@
           <p:cNvPr id="2" name="标题 1">
             <a:extLst>
               <a:ext uri="{FF2B5EF4-FFF2-40B4-BE49-F238E27FC236}">
-                <a16:creationId xmlns:a16="http://schemas.microsoft.com/office/drawing/2014/main" id="{68B04425-0020-0731-3D2F-24AD956E7F77}"/>
+                <a16:creationId xmlns:a16="http://schemas.microsoft.com/office/drawing/2014/main" id="{6CF7F4CA-1605-5F19-D0BA-94098F2B36FE}"/>
               </a:ext>
             </a:extLst>
           </p:cNvPr>
@@ -166,7 +166,7 @@
           <p:cNvPr id="3" name="副标题 2">
             <a:extLst>
               <a:ext uri="{FF2B5EF4-FFF2-40B4-BE49-F238E27FC236}">
-                <a16:creationId xmlns:a16="http://schemas.microsoft.com/office/drawing/2014/main" id="{91AF80A7-16FA-9FEC-6BD8-BE0CC5AD0BDB}"/>
+                <a16:creationId xmlns:a16="http://schemas.microsoft.com/office/drawing/2014/main" id="{F35D93BD-DAB9-ABC3-5B63-2D9FA4BE4D03}"/>
               </a:ext>
             </a:extLst>
           </p:cNvPr>
@@ -236,7 +236,7 @@
           <p:cNvPr id="4" name="日期占位符 3">
             <a:extLst>
               <a:ext uri="{FF2B5EF4-FFF2-40B4-BE49-F238E27FC236}">
-                <a16:creationId xmlns:a16="http://schemas.microsoft.com/office/drawing/2014/main" id="{8044BBA3-D8F2-0ECE-1F10-4FF502D17CFA}"/>
+                <a16:creationId xmlns:a16="http://schemas.microsoft.com/office/drawing/2014/main" id="{E8A20D70-F0C2-CC96-C668-0050DA0D50D7}"/>
               </a:ext>
             </a:extLst>
           </p:cNvPr>
@@ -252,7 +252,7 @@
           <a:bodyPr/>
           <a:lstStyle/>
           <a:p>
-            <a:fld id="{16D14913-A671-4190-8CBA-C9D8F13E901C}" type="datetimeFigureOut">
+            <a:fld id="{C72870FC-862E-4D07-8659-89D067AB6A7F}" type="datetimeFigureOut">
               <a:rPr lang="zh-CN" altLang="en-US" smtClean="0"/>
               <a:t>2024/3/10</a:t>
             </a:fld>
@@ -265,7 +265,7 @@
           <p:cNvPr id="5" name="页脚占位符 4">
             <a:extLst>
               <a:ext uri="{FF2B5EF4-FFF2-40B4-BE49-F238E27FC236}">
-                <a16:creationId xmlns:a16="http://schemas.microsoft.com/office/drawing/2014/main" id="{F8DE8F5E-C93F-5518-47E4-D5B9D5712901}"/>
+                <a16:creationId xmlns:a16="http://schemas.microsoft.com/office/drawing/2014/main" id="{82C55BE4-11E6-40D9-55DA-6F05291EDA8C}"/>
               </a:ext>
             </a:extLst>
           </p:cNvPr>
@@ -290,7 +290,7 @@
           <p:cNvPr id="6" name="灯片编号占位符 5">
             <a:extLst>
               <a:ext uri="{FF2B5EF4-FFF2-40B4-BE49-F238E27FC236}">
-                <a16:creationId xmlns:a16="http://schemas.microsoft.com/office/drawing/2014/main" id="{5BB462FA-AE78-B7F1-3AA1-12881C2768AA}"/>
+                <a16:creationId xmlns:a16="http://schemas.microsoft.com/office/drawing/2014/main" id="{6010BCC4-5F48-8F39-8F47-CEBFFB8CAB7C}"/>
               </a:ext>
             </a:extLst>
           </p:cNvPr>
@@ -306,7 +306,7 @@
           <a:bodyPr/>
           <a:lstStyle/>
           <a:p>
-            <a:fld id="{112C05BF-095C-4021-B121-64BE843D56F8}" type="slidenum">
+            <a:fld id="{40FA6C62-D9EE-48C5-AD96-4F768CA97B93}" type="slidenum">
               <a:rPr lang="zh-CN" altLang="en-US" smtClean="0"/>
               <a:t>‹#›</a:t>
             </a:fld>
@@ -317,7 +317,7 @@
     </p:spTree>
     <p:extLst>
       <p:ext uri="{BB962C8B-B14F-4D97-AF65-F5344CB8AC3E}">
-        <p14:creationId xmlns:p14="http://schemas.microsoft.com/office/powerpoint/2010/main" val="3853151987"/>
+        <p14:creationId xmlns:p14="http://schemas.microsoft.com/office/powerpoint/2010/main" val="4123912180"/>
       </p:ext>
     </p:extLst>
   </p:cSld>
@@ -349,7 +349,7 @@
           <p:cNvPr id="2" name="标题 1">
             <a:extLst>
               <a:ext uri="{FF2B5EF4-FFF2-40B4-BE49-F238E27FC236}">
-                <a16:creationId xmlns:a16="http://schemas.microsoft.com/office/drawing/2014/main" id="{FFEDAF88-FFA2-41CA-9F17-BDED8301CD8A}"/>
+                <a16:creationId xmlns:a16="http://schemas.microsoft.com/office/drawing/2014/main" id="{FD3C1096-E2BA-EE80-AEC2-5E462AA693EB}"/>
               </a:ext>
             </a:extLst>
           </p:cNvPr>
@@ -377,7 +377,7 @@
           <p:cNvPr id="3" name="竖排文字占位符 2">
             <a:extLst>
               <a:ext uri="{FF2B5EF4-FFF2-40B4-BE49-F238E27FC236}">
-                <a16:creationId xmlns:a16="http://schemas.microsoft.com/office/drawing/2014/main" id="{0B995FE7-32D1-B58B-E1AB-10D7297C2637}"/>
+                <a16:creationId xmlns:a16="http://schemas.microsoft.com/office/drawing/2014/main" id="{6FCCA1D0-67AD-B498-F9F4-189163204C27}"/>
               </a:ext>
             </a:extLst>
           </p:cNvPr>
@@ -434,7 +434,7 @@
           <p:cNvPr id="4" name="日期占位符 3">
             <a:extLst>
               <a:ext uri="{FF2B5EF4-FFF2-40B4-BE49-F238E27FC236}">
-                <a16:creationId xmlns:a16="http://schemas.microsoft.com/office/drawing/2014/main" id="{C12D70BC-E9E7-39CF-3E72-8B6474CF4A4C}"/>
+                <a16:creationId xmlns:a16="http://schemas.microsoft.com/office/drawing/2014/main" id="{F6402BAC-4335-9D41-F6AE-32CF05B6578A}"/>
               </a:ext>
             </a:extLst>
           </p:cNvPr>
@@ -450,7 +450,7 @@
           <a:bodyPr/>
           <a:lstStyle/>
           <a:p>
-            <a:fld id="{16D14913-A671-4190-8CBA-C9D8F13E901C}" type="datetimeFigureOut">
+            <a:fld id="{C72870FC-862E-4D07-8659-89D067AB6A7F}" type="datetimeFigureOut">
               <a:rPr lang="zh-CN" altLang="en-US" smtClean="0"/>
               <a:t>2024/3/10</a:t>
             </a:fld>
@@ -463,7 +463,7 @@
           <p:cNvPr id="5" name="页脚占位符 4">
             <a:extLst>
               <a:ext uri="{FF2B5EF4-FFF2-40B4-BE49-F238E27FC236}">
-                <a16:creationId xmlns:a16="http://schemas.microsoft.com/office/drawing/2014/main" id="{F52AFD70-A5F1-BBB2-40F2-D66FE93A0EE3}"/>
+                <a16:creationId xmlns:a16="http://schemas.microsoft.com/office/drawing/2014/main" id="{63035E80-DF9F-9720-A80B-0D316AAC1A01}"/>
               </a:ext>
             </a:extLst>
           </p:cNvPr>
@@ -488,7 +488,7 @@
           <p:cNvPr id="6" name="灯片编号占位符 5">
             <a:extLst>
               <a:ext uri="{FF2B5EF4-FFF2-40B4-BE49-F238E27FC236}">
-                <a16:creationId xmlns:a16="http://schemas.microsoft.com/office/drawing/2014/main" id="{BC434B23-066E-9825-4287-09365A94947F}"/>
+                <a16:creationId xmlns:a16="http://schemas.microsoft.com/office/drawing/2014/main" id="{32C657FB-9B19-4836-1C0B-500C078C5CA3}"/>
               </a:ext>
             </a:extLst>
           </p:cNvPr>
@@ -504,7 +504,7 @@
           <a:bodyPr/>
           <a:lstStyle/>
           <a:p>
-            <a:fld id="{112C05BF-095C-4021-B121-64BE843D56F8}" type="slidenum">
+            <a:fld id="{40FA6C62-D9EE-48C5-AD96-4F768CA97B93}" type="slidenum">
               <a:rPr lang="zh-CN" altLang="en-US" smtClean="0"/>
               <a:t>‹#›</a:t>
             </a:fld>
@@ -515,7 +515,7 @@
     </p:spTree>
     <p:extLst>
       <p:ext uri="{BB962C8B-B14F-4D97-AF65-F5344CB8AC3E}">
-        <p14:creationId xmlns:p14="http://schemas.microsoft.com/office/powerpoint/2010/main" val="2221446310"/>
+        <p14:creationId xmlns:p14="http://schemas.microsoft.com/office/powerpoint/2010/main" val="3530209207"/>
       </p:ext>
     </p:extLst>
   </p:cSld>
@@ -547,7 +547,7 @@
           <p:cNvPr id="2" name="竖排标题 1">
             <a:extLst>
               <a:ext uri="{FF2B5EF4-FFF2-40B4-BE49-F238E27FC236}">
-                <a16:creationId xmlns:a16="http://schemas.microsoft.com/office/drawing/2014/main" id="{F3E56188-29D1-4555-3010-FFD75A834AC2}"/>
+                <a16:creationId xmlns:a16="http://schemas.microsoft.com/office/drawing/2014/main" id="{EFF03336-E31C-110A-2F02-A73B0DB24C92}"/>
               </a:ext>
             </a:extLst>
           </p:cNvPr>
@@ -580,7 +580,7 @@
           <p:cNvPr id="3" name="竖排文字占位符 2">
             <a:extLst>
               <a:ext uri="{FF2B5EF4-FFF2-40B4-BE49-F238E27FC236}">
-                <a16:creationId xmlns:a16="http://schemas.microsoft.com/office/drawing/2014/main" id="{6CE87897-233D-2B63-8FA0-9D0371B78946}"/>
+                <a16:creationId xmlns:a16="http://schemas.microsoft.com/office/drawing/2014/main" id="{09179A92-840E-F46A-AFFA-A6113D64681A}"/>
               </a:ext>
             </a:extLst>
           </p:cNvPr>
@@ -642,7 +642,7 @@
           <p:cNvPr id="4" name="日期占位符 3">
             <a:extLst>
               <a:ext uri="{FF2B5EF4-FFF2-40B4-BE49-F238E27FC236}">
-                <a16:creationId xmlns:a16="http://schemas.microsoft.com/office/drawing/2014/main" id="{4E72CD4E-D69B-7E8F-52C4-92ECC041F14F}"/>
+                <a16:creationId xmlns:a16="http://schemas.microsoft.com/office/drawing/2014/main" id="{CAA21DF5-87DA-DC25-5774-40AD03568711}"/>
               </a:ext>
             </a:extLst>
           </p:cNvPr>
@@ -658,7 +658,7 @@
           <a:bodyPr/>
           <a:lstStyle/>
           <a:p>
-            <a:fld id="{16D14913-A671-4190-8CBA-C9D8F13E901C}" type="datetimeFigureOut">
+            <a:fld id="{C72870FC-862E-4D07-8659-89D067AB6A7F}" type="datetimeFigureOut">
               <a:rPr lang="zh-CN" altLang="en-US" smtClean="0"/>
               <a:t>2024/3/10</a:t>
             </a:fld>
@@ -671,7 +671,7 @@
           <p:cNvPr id="5" name="页脚占位符 4">
             <a:extLst>
               <a:ext uri="{FF2B5EF4-FFF2-40B4-BE49-F238E27FC236}">
-                <a16:creationId xmlns:a16="http://schemas.microsoft.com/office/drawing/2014/main" id="{A52F6831-413C-F591-40C1-34100019832E}"/>
+                <a16:creationId xmlns:a16="http://schemas.microsoft.com/office/drawing/2014/main" id="{30298AAB-D5A8-6C40-58EF-5B23B1F30BF9}"/>
               </a:ext>
             </a:extLst>
           </p:cNvPr>
@@ -696,7 +696,7 @@
           <p:cNvPr id="6" name="灯片编号占位符 5">
             <a:extLst>
               <a:ext uri="{FF2B5EF4-FFF2-40B4-BE49-F238E27FC236}">
-                <a16:creationId xmlns:a16="http://schemas.microsoft.com/office/drawing/2014/main" id="{52AB00BB-8E9C-0447-56B5-4DA90159F32E}"/>
+                <a16:creationId xmlns:a16="http://schemas.microsoft.com/office/drawing/2014/main" id="{1DEEC595-9639-AF14-C043-2D539F570C38}"/>
               </a:ext>
             </a:extLst>
           </p:cNvPr>
@@ -712,7 +712,7 @@
           <a:bodyPr/>
           <a:lstStyle/>
           <a:p>
-            <a:fld id="{112C05BF-095C-4021-B121-64BE843D56F8}" type="slidenum">
+            <a:fld id="{40FA6C62-D9EE-48C5-AD96-4F768CA97B93}" type="slidenum">
               <a:rPr lang="zh-CN" altLang="en-US" smtClean="0"/>
               <a:t>‹#›</a:t>
             </a:fld>
@@ -723,7 +723,7 @@
     </p:spTree>
     <p:extLst>
       <p:ext uri="{BB962C8B-B14F-4D97-AF65-F5344CB8AC3E}">
-        <p14:creationId xmlns:p14="http://schemas.microsoft.com/office/powerpoint/2010/main" val="2881055421"/>
+        <p14:creationId xmlns:p14="http://schemas.microsoft.com/office/powerpoint/2010/main" val="2443268179"/>
       </p:ext>
     </p:extLst>
   </p:cSld>
@@ -755,7 +755,7 @@
           <p:cNvPr id="2" name="标题 1">
             <a:extLst>
               <a:ext uri="{FF2B5EF4-FFF2-40B4-BE49-F238E27FC236}">
-                <a16:creationId xmlns:a16="http://schemas.microsoft.com/office/drawing/2014/main" id="{9AA8F4C6-A806-6C8F-1AF1-9A3B788009A8}"/>
+                <a16:creationId xmlns:a16="http://schemas.microsoft.com/office/drawing/2014/main" id="{DD78E791-04F7-183D-B078-E7C17CF18DBD}"/>
               </a:ext>
             </a:extLst>
           </p:cNvPr>
@@ -783,7 +783,7 @@
           <p:cNvPr id="3" name="内容占位符 2">
             <a:extLst>
               <a:ext uri="{FF2B5EF4-FFF2-40B4-BE49-F238E27FC236}">
-                <a16:creationId xmlns:a16="http://schemas.microsoft.com/office/drawing/2014/main" id="{39E5234F-3E89-4416-B287-1C6089FFD050}"/>
+                <a16:creationId xmlns:a16="http://schemas.microsoft.com/office/drawing/2014/main" id="{D147E34B-A41C-FD44-38D9-47A68345209F}"/>
               </a:ext>
             </a:extLst>
           </p:cNvPr>
@@ -840,7 +840,7 @@
           <p:cNvPr id="4" name="日期占位符 3">
             <a:extLst>
               <a:ext uri="{FF2B5EF4-FFF2-40B4-BE49-F238E27FC236}">
-                <a16:creationId xmlns:a16="http://schemas.microsoft.com/office/drawing/2014/main" id="{876F8FFC-4BEE-6141-C84C-B72ACFA551E1}"/>
+                <a16:creationId xmlns:a16="http://schemas.microsoft.com/office/drawing/2014/main" id="{3E467497-65AE-CCDB-58A1-AE81397C55C9}"/>
               </a:ext>
             </a:extLst>
           </p:cNvPr>
@@ -856,7 +856,7 @@
           <a:bodyPr/>
           <a:lstStyle/>
           <a:p>
-            <a:fld id="{16D14913-A671-4190-8CBA-C9D8F13E901C}" type="datetimeFigureOut">
+            <a:fld id="{C72870FC-862E-4D07-8659-89D067AB6A7F}" type="datetimeFigureOut">
               <a:rPr lang="zh-CN" altLang="en-US" smtClean="0"/>
               <a:t>2024/3/10</a:t>
             </a:fld>
@@ -869,7 +869,7 @@
           <p:cNvPr id="5" name="页脚占位符 4">
             <a:extLst>
               <a:ext uri="{FF2B5EF4-FFF2-40B4-BE49-F238E27FC236}">
-                <a16:creationId xmlns:a16="http://schemas.microsoft.com/office/drawing/2014/main" id="{3486F107-D08E-C5CC-8505-DFCAAB7BB0BB}"/>
+                <a16:creationId xmlns:a16="http://schemas.microsoft.com/office/drawing/2014/main" id="{D083DCEF-0E63-48C6-1FF7-FC52A287D0CA}"/>
               </a:ext>
             </a:extLst>
           </p:cNvPr>
@@ -894,7 +894,7 @@
           <p:cNvPr id="6" name="灯片编号占位符 5">
             <a:extLst>
               <a:ext uri="{FF2B5EF4-FFF2-40B4-BE49-F238E27FC236}">
-                <a16:creationId xmlns:a16="http://schemas.microsoft.com/office/drawing/2014/main" id="{AE369C17-1C4D-7442-3DA2-1966039971BF}"/>
+                <a16:creationId xmlns:a16="http://schemas.microsoft.com/office/drawing/2014/main" id="{4812F125-7A4A-E624-D93A-3B6660640305}"/>
               </a:ext>
             </a:extLst>
           </p:cNvPr>
@@ -910,7 +910,7 @@
           <a:bodyPr/>
           <a:lstStyle/>
           <a:p>
-            <a:fld id="{112C05BF-095C-4021-B121-64BE843D56F8}" type="slidenum">
+            <a:fld id="{40FA6C62-D9EE-48C5-AD96-4F768CA97B93}" type="slidenum">
               <a:rPr lang="zh-CN" altLang="en-US" smtClean="0"/>
               <a:t>‹#›</a:t>
             </a:fld>
@@ -921,7 +921,7 @@
     </p:spTree>
     <p:extLst>
       <p:ext uri="{BB962C8B-B14F-4D97-AF65-F5344CB8AC3E}">
-        <p14:creationId xmlns:p14="http://schemas.microsoft.com/office/powerpoint/2010/main" val="890861801"/>
+        <p14:creationId xmlns:p14="http://schemas.microsoft.com/office/powerpoint/2010/main" val="2493034979"/>
       </p:ext>
     </p:extLst>
   </p:cSld>
@@ -953,7 +953,7 @@
           <p:cNvPr id="2" name="标题 1">
             <a:extLst>
               <a:ext uri="{FF2B5EF4-FFF2-40B4-BE49-F238E27FC236}">
-                <a16:creationId xmlns:a16="http://schemas.microsoft.com/office/drawing/2014/main" id="{E62B2DA7-167F-CF74-F577-AC1F25BB8657}"/>
+                <a16:creationId xmlns:a16="http://schemas.microsoft.com/office/drawing/2014/main" id="{66765726-41C8-1B30-7611-5357F7ED1585}"/>
               </a:ext>
             </a:extLst>
           </p:cNvPr>
@@ -990,7 +990,7 @@
           <p:cNvPr id="3" name="文本占位符 2">
             <a:extLst>
               <a:ext uri="{FF2B5EF4-FFF2-40B4-BE49-F238E27FC236}">
-                <a16:creationId xmlns:a16="http://schemas.microsoft.com/office/drawing/2014/main" id="{E1A0FA53-A387-9326-498F-2910B7EFF68D}"/>
+                <a16:creationId xmlns:a16="http://schemas.microsoft.com/office/drawing/2014/main" id="{B8412D7D-C205-4B2E-90B5-70F11F634982}"/>
               </a:ext>
             </a:extLst>
           </p:cNvPr>
@@ -1115,7 +1115,7 @@
           <p:cNvPr id="4" name="日期占位符 3">
             <a:extLst>
               <a:ext uri="{FF2B5EF4-FFF2-40B4-BE49-F238E27FC236}">
-                <a16:creationId xmlns:a16="http://schemas.microsoft.com/office/drawing/2014/main" id="{2C880AAE-A29A-F642-6309-6DDB7CDA39A3}"/>
+                <a16:creationId xmlns:a16="http://schemas.microsoft.com/office/drawing/2014/main" id="{AF8B68DC-88D4-D627-DC54-73AEAF156E59}"/>
               </a:ext>
             </a:extLst>
           </p:cNvPr>
@@ -1131,7 +1131,7 @@
           <a:bodyPr/>
           <a:lstStyle/>
           <a:p>
-            <a:fld id="{16D14913-A671-4190-8CBA-C9D8F13E901C}" type="datetimeFigureOut">
+            <a:fld id="{C72870FC-862E-4D07-8659-89D067AB6A7F}" type="datetimeFigureOut">
               <a:rPr lang="zh-CN" altLang="en-US" smtClean="0"/>
               <a:t>2024/3/10</a:t>
             </a:fld>
@@ -1144,7 +1144,7 @@
           <p:cNvPr id="5" name="页脚占位符 4">
             <a:extLst>
               <a:ext uri="{FF2B5EF4-FFF2-40B4-BE49-F238E27FC236}">
-                <a16:creationId xmlns:a16="http://schemas.microsoft.com/office/drawing/2014/main" id="{0E7A70C3-96C0-1E11-57D3-EFF002A0D134}"/>
+                <a16:creationId xmlns:a16="http://schemas.microsoft.com/office/drawing/2014/main" id="{44BFC991-0E2A-CDF9-8F95-5736360D9873}"/>
               </a:ext>
             </a:extLst>
           </p:cNvPr>
@@ -1169,7 +1169,7 @@
           <p:cNvPr id="6" name="灯片编号占位符 5">
             <a:extLst>
               <a:ext uri="{FF2B5EF4-FFF2-40B4-BE49-F238E27FC236}">
-                <a16:creationId xmlns:a16="http://schemas.microsoft.com/office/drawing/2014/main" id="{61B56D27-A165-48B2-49F1-32BF3BA07D55}"/>
+                <a16:creationId xmlns:a16="http://schemas.microsoft.com/office/drawing/2014/main" id="{9E8D938B-BFF3-ED7E-B3D1-CCA1C9991757}"/>
               </a:ext>
             </a:extLst>
           </p:cNvPr>
@@ -1185,7 +1185,7 @@
           <a:bodyPr/>
           <a:lstStyle/>
           <a:p>
-            <a:fld id="{112C05BF-095C-4021-B121-64BE843D56F8}" type="slidenum">
+            <a:fld id="{40FA6C62-D9EE-48C5-AD96-4F768CA97B93}" type="slidenum">
               <a:rPr lang="zh-CN" altLang="en-US" smtClean="0"/>
               <a:t>‹#›</a:t>
             </a:fld>
@@ -1196,7 +1196,7 @@
     </p:spTree>
     <p:extLst>
       <p:ext uri="{BB962C8B-B14F-4D97-AF65-F5344CB8AC3E}">
-        <p14:creationId xmlns:p14="http://schemas.microsoft.com/office/powerpoint/2010/main" val="3140129666"/>
+        <p14:creationId xmlns:p14="http://schemas.microsoft.com/office/powerpoint/2010/main" val="2270766175"/>
       </p:ext>
     </p:extLst>
   </p:cSld>
@@ -1228,7 +1228,7 @@
           <p:cNvPr id="2" name="标题 1">
             <a:extLst>
               <a:ext uri="{FF2B5EF4-FFF2-40B4-BE49-F238E27FC236}">
-                <a16:creationId xmlns:a16="http://schemas.microsoft.com/office/drawing/2014/main" id="{0554CFFB-793C-42DE-994A-9C4E56568BF9}"/>
+                <a16:creationId xmlns:a16="http://schemas.microsoft.com/office/drawing/2014/main" id="{A9ED4AFE-CAE9-B712-C5D9-1730932AA678}"/>
               </a:ext>
             </a:extLst>
           </p:cNvPr>
@@ -1256,7 +1256,7 @@
           <p:cNvPr id="3" name="内容占位符 2">
             <a:extLst>
               <a:ext uri="{FF2B5EF4-FFF2-40B4-BE49-F238E27FC236}">
-                <a16:creationId xmlns:a16="http://schemas.microsoft.com/office/drawing/2014/main" id="{A019B4CE-4289-598F-6687-FDFE921FE513}"/>
+                <a16:creationId xmlns:a16="http://schemas.microsoft.com/office/drawing/2014/main" id="{DF77F6AE-DD9B-DE83-8A8F-BDAA68298C6A}"/>
               </a:ext>
             </a:extLst>
           </p:cNvPr>
@@ -1318,7 +1318,7 @@
           <p:cNvPr id="4" name="内容占位符 3">
             <a:extLst>
               <a:ext uri="{FF2B5EF4-FFF2-40B4-BE49-F238E27FC236}">
-                <a16:creationId xmlns:a16="http://schemas.microsoft.com/office/drawing/2014/main" id="{B4ED3C8C-9A6A-DC9E-8DB9-8137EAEA58B2}"/>
+                <a16:creationId xmlns:a16="http://schemas.microsoft.com/office/drawing/2014/main" id="{E5873C32-75A6-7430-D70C-58BF35356477}"/>
               </a:ext>
             </a:extLst>
           </p:cNvPr>
@@ -1380,7 +1380,7 @@
           <p:cNvPr id="5" name="日期占位符 4">
             <a:extLst>
               <a:ext uri="{FF2B5EF4-FFF2-40B4-BE49-F238E27FC236}">
-                <a16:creationId xmlns:a16="http://schemas.microsoft.com/office/drawing/2014/main" id="{52A7682E-3368-CCC9-0E1C-A1023C32C1C5}"/>
+                <a16:creationId xmlns:a16="http://schemas.microsoft.com/office/drawing/2014/main" id="{3AC5A7B6-CA0E-70F7-26E0-719EB0526FC6}"/>
               </a:ext>
             </a:extLst>
           </p:cNvPr>
@@ -1396,7 +1396,7 @@
           <a:bodyPr/>
           <a:lstStyle/>
           <a:p>
-            <a:fld id="{16D14913-A671-4190-8CBA-C9D8F13E901C}" type="datetimeFigureOut">
+            <a:fld id="{C72870FC-862E-4D07-8659-89D067AB6A7F}" type="datetimeFigureOut">
               <a:rPr lang="zh-CN" altLang="en-US" smtClean="0"/>
               <a:t>2024/3/10</a:t>
             </a:fld>
@@ -1409,7 +1409,7 @@
           <p:cNvPr id="6" name="页脚占位符 5">
             <a:extLst>
               <a:ext uri="{FF2B5EF4-FFF2-40B4-BE49-F238E27FC236}">
-                <a16:creationId xmlns:a16="http://schemas.microsoft.com/office/drawing/2014/main" id="{B021DFA9-0600-9930-EE46-EDE6E9E8E086}"/>
+                <a16:creationId xmlns:a16="http://schemas.microsoft.com/office/drawing/2014/main" id="{98AB963A-E492-2568-B9DF-3176911F4DA5}"/>
               </a:ext>
             </a:extLst>
           </p:cNvPr>
@@ -1434,7 +1434,7 @@
           <p:cNvPr id="7" name="灯片编号占位符 6">
             <a:extLst>
               <a:ext uri="{FF2B5EF4-FFF2-40B4-BE49-F238E27FC236}">
-                <a16:creationId xmlns:a16="http://schemas.microsoft.com/office/drawing/2014/main" id="{354676E5-F015-E689-09D1-02360DA15AE6}"/>
+                <a16:creationId xmlns:a16="http://schemas.microsoft.com/office/drawing/2014/main" id="{A4DED66D-D6BC-8C3B-3764-6D7FD1B8CA3B}"/>
               </a:ext>
             </a:extLst>
           </p:cNvPr>
@@ -1450,7 +1450,7 @@
           <a:bodyPr/>
           <a:lstStyle/>
           <a:p>
-            <a:fld id="{112C05BF-095C-4021-B121-64BE843D56F8}" type="slidenum">
+            <a:fld id="{40FA6C62-D9EE-48C5-AD96-4F768CA97B93}" type="slidenum">
               <a:rPr lang="zh-CN" altLang="en-US" smtClean="0"/>
               <a:t>‹#›</a:t>
             </a:fld>
@@ -1461,7 +1461,7 @@
     </p:spTree>
     <p:extLst>
       <p:ext uri="{BB962C8B-B14F-4D97-AF65-F5344CB8AC3E}">
-        <p14:creationId xmlns:p14="http://schemas.microsoft.com/office/powerpoint/2010/main" val="1212739029"/>
+        <p14:creationId xmlns:p14="http://schemas.microsoft.com/office/powerpoint/2010/main" val="3495767069"/>
       </p:ext>
     </p:extLst>
   </p:cSld>
@@ -1493,7 +1493,7 @@
           <p:cNvPr id="2" name="标题 1">
             <a:extLst>
               <a:ext uri="{FF2B5EF4-FFF2-40B4-BE49-F238E27FC236}">
-                <a16:creationId xmlns:a16="http://schemas.microsoft.com/office/drawing/2014/main" id="{0309D9CD-1062-846B-22A4-EC9BDE036B4D}"/>
+                <a16:creationId xmlns:a16="http://schemas.microsoft.com/office/drawing/2014/main" id="{CE981A48-07F7-ECE1-E849-8B9CF14AB44D}"/>
               </a:ext>
             </a:extLst>
           </p:cNvPr>
@@ -1526,7 +1526,7 @@
           <p:cNvPr id="3" name="文本占位符 2">
             <a:extLst>
               <a:ext uri="{FF2B5EF4-FFF2-40B4-BE49-F238E27FC236}">
-                <a16:creationId xmlns:a16="http://schemas.microsoft.com/office/drawing/2014/main" id="{12C7879D-FC68-4C39-44D0-D6E808C70B43}"/>
+                <a16:creationId xmlns:a16="http://schemas.microsoft.com/office/drawing/2014/main" id="{B1B70109-B0C8-C853-FF89-3AF1310404D2}"/>
               </a:ext>
             </a:extLst>
           </p:cNvPr>
@@ -1597,7 +1597,7 @@
           <p:cNvPr id="4" name="内容占位符 3">
             <a:extLst>
               <a:ext uri="{FF2B5EF4-FFF2-40B4-BE49-F238E27FC236}">
-                <a16:creationId xmlns:a16="http://schemas.microsoft.com/office/drawing/2014/main" id="{D6499863-07FB-7434-4192-A6B56DE2CF49}"/>
+                <a16:creationId xmlns:a16="http://schemas.microsoft.com/office/drawing/2014/main" id="{E0EF8992-AC3C-ABF2-45CE-1FC1CC3F0BF1}"/>
               </a:ext>
             </a:extLst>
           </p:cNvPr>
@@ -1659,7 +1659,7 @@
           <p:cNvPr id="5" name="文本占位符 4">
             <a:extLst>
               <a:ext uri="{FF2B5EF4-FFF2-40B4-BE49-F238E27FC236}">
-                <a16:creationId xmlns:a16="http://schemas.microsoft.com/office/drawing/2014/main" id="{B708819C-D528-505F-1564-2F9C1F91FEA1}"/>
+                <a16:creationId xmlns:a16="http://schemas.microsoft.com/office/drawing/2014/main" id="{2B25FF16-FAB1-DBA6-67B6-CA1A47F75D94}"/>
               </a:ext>
             </a:extLst>
           </p:cNvPr>
@@ -1730,7 +1730,7 @@
           <p:cNvPr id="6" name="内容占位符 5">
             <a:extLst>
               <a:ext uri="{FF2B5EF4-FFF2-40B4-BE49-F238E27FC236}">
-                <a16:creationId xmlns:a16="http://schemas.microsoft.com/office/drawing/2014/main" id="{8FA30C0C-6931-F97C-C03A-D991C3E59DEC}"/>
+                <a16:creationId xmlns:a16="http://schemas.microsoft.com/office/drawing/2014/main" id="{6A71530E-9ADA-202F-4F43-4F063392D530}"/>
               </a:ext>
             </a:extLst>
           </p:cNvPr>
@@ -1792,7 +1792,7 @@
           <p:cNvPr id="7" name="日期占位符 6">
             <a:extLst>
               <a:ext uri="{FF2B5EF4-FFF2-40B4-BE49-F238E27FC236}">
-                <a16:creationId xmlns:a16="http://schemas.microsoft.com/office/drawing/2014/main" id="{26378962-AF7C-E820-35DF-7AF54C30A39C}"/>
+                <a16:creationId xmlns:a16="http://schemas.microsoft.com/office/drawing/2014/main" id="{E36B966C-7A37-4570-E4D3-082A430488A1}"/>
               </a:ext>
             </a:extLst>
           </p:cNvPr>
@@ -1808,7 +1808,7 @@
           <a:bodyPr/>
           <a:lstStyle/>
           <a:p>
-            <a:fld id="{16D14913-A671-4190-8CBA-C9D8F13E901C}" type="datetimeFigureOut">
+            <a:fld id="{C72870FC-862E-4D07-8659-89D067AB6A7F}" type="datetimeFigureOut">
               <a:rPr lang="zh-CN" altLang="en-US" smtClean="0"/>
               <a:t>2024/3/10</a:t>
             </a:fld>
@@ -1821,7 +1821,7 @@
           <p:cNvPr id="8" name="页脚占位符 7">
             <a:extLst>
               <a:ext uri="{FF2B5EF4-FFF2-40B4-BE49-F238E27FC236}">
-                <a16:creationId xmlns:a16="http://schemas.microsoft.com/office/drawing/2014/main" id="{3DC1CE67-DFEC-BF77-1F56-3854B8B6E981}"/>
+                <a16:creationId xmlns:a16="http://schemas.microsoft.com/office/drawing/2014/main" id="{FCB4790F-69A5-B0CF-47DE-B1AA01A1327C}"/>
               </a:ext>
             </a:extLst>
           </p:cNvPr>
@@ -1846,7 +1846,7 @@
           <p:cNvPr id="9" name="灯片编号占位符 8">
             <a:extLst>
               <a:ext uri="{FF2B5EF4-FFF2-40B4-BE49-F238E27FC236}">
-                <a16:creationId xmlns:a16="http://schemas.microsoft.com/office/drawing/2014/main" id="{31A6A574-5B69-374C-F7F9-A216C6B8FAC8}"/>
+                <a16:creationId xmlns:a16="http://schemas.microsoft.com/office/drawing/2014/main" id="{77AE17EA-7D3F-CECB-518E-6E965AF1A3F7}"/>
               </a:ext>
             </a:extLst>
           </p:cNvPr>
@@ -1862,7 +1862,7 @@
           <a:bodyPr/>
           <a:lstStyle/>
           <a:p>
-            <a:fld id="{112C05BF-095C-4021-B121-64BE843D56F8}" type="slidenum">
+            <a:fld id="{40FA6C62-D9EE-48C5-AD96-4F768CA97B93}" type="slidenum">
               <a:rPr lang="zh-CN" altLang="en-US" smtClean="0"/>
               <a:t>‹#›</a:t>
             </a:fld>
@@ -1873,7 +1873,7 @@
     </p:spTree>
     <p:extLst>
       <p:ext uri="{BB962C8B-B14F-4D97-AF65-F5344CB8AC3E}">
-        <p14:creationId xmlns:p14="http://schemas.microsoft.com/office/powerpoint/2010/main" val="2146291412"/>
+        <p14:creationId xmlns:p14="http://schemas.microsoft.com/office/powerpoint/2010/main" val="2957023915"/>
       </p:ext>
     </p:extLst>
   </p:cSld>
@@ -1905,7 +1905,7 @@
           <p:cNvPr id="2" name="标题 1">
             <a:extLst>
               <a:ext uri="{FF2B5EF4-FFF2-40B4-BE49-F238E27FC236}">
-                <a16:creationId xmlns:a16="http://schemas.microsoft.com/office/drawing/2014/main" id="{DF6554D8-029E-00F5-0BD8-D6686D387122}"/>
+                <a16:creationId xmlns:a16="http://schemas.microsoft.com/office/drawing/2014/main" id="{BDB45EF8-3EF2-5D85-D3CC-DD36CA6D61DB}"/>
               </a:ext>
             </a:extLst>
           </p:cNvPr>
@@ -1933,7 +1933,7 @@
           <p:cNvPr id="3" name="日期占位符 2">
             <a:extLst>
               <a:ext uri="{FF2B5EF4-FFF2-40B4-BE49-F238E27FC236}">
-                <a16:creationId xmlns:a16="http://schemas.microsoft.com/office/drawing/2014/main" id="{705708BB-D839-666B-CD81-D2F0A14CEF14}"/>
+                <a16:creationId xmlns:a16="http://schemas.microsoft.com/office/drawing/2014/main" id="{092578F7-CB6A-E8A0-01C4-A8BCF7631A35}"/>
               </a:ext>
             </a:extLst>
           </p:cNvPr>
@@ -1949,7 +1949,7 @@
           <a:bodyPr/>
           <a:lstStyle/>
           <a:p>
-            <a:fld id="{16D14913-A671-4190-8CBA-C9D8F13E901C}" type="datetimeFigureOut">
+            <a:fld id="{C72870FC-862E-4D07-8659-89D067AB6A7F}" type="datetimeFigureOut">
               <a:rPr lang="zh-CN" altLang="en-US" smtClean="0"/>
               <a:t>2024/3/10</a:t>
             </a:fld>
@@ -1962,7 +1962,7 @@
           <p:cNvPr id="4" name="页脚占位符 3">
             <a:extLst>
               <a:ext uri="{FF2B5EF4-FFF2-40B4-BE49-F238E27FC236}">
-                <a16:creationId xmlns:a16="http://schemas.microsoft.com/office/drawing/2014/main" id="{ED31A4AD-7E6A-4F4C-B83F-7FCC7D76C4B4}"/>
+                <a16:creationId xmlns:a16="http://schemas.microsoft.com/office/drawing/2014/main" id="{2198EBCF-341E-4701-6A98-5F35BE8D7EB1}"/>
               </a:ext>
             </a:extLst>
           </p:cNvPr>
@@ -1987,7 +1987,7 @@
           <p:cNvPr id="5" name="灯片编号占位符 4">
             <a:extLst>
               <a:ext uri="{FF2B5EF4-FFF2-40B4-BE49-F238E27FC236}">
-                <a16:creationId xmlns:a16="http://schemas.microsoft.com/office/drawing/2014/main" id="{DD66A47D-4E39-AB7E-B0D3-035A624FAD3C}"/>
+                <a16:creationId xmlns:a16="http://schemas.microsoft.com/office/drawing/2014/main" id="{82A5B921-B347-6591-EBB6-9053588E9AF5}"/>
               </a:ext>
             </a:extLst>
           </p:cNvPr>
@@ -2003,7 +2003,7 @@
           <a:bodyPr/>
           <a:lstStyle/>
           <a:p>
-            <a:fld id="{112C05BF-095C-4021-B121-64BE843D56F8}" type="slidenum">
+            <a:fld id="{40FA6C62-D9EE-48C5-AD96-4F768CA97B93}" type="slidenum">
               <a:rPr lang="zh-CN" altLang="en-US" smtClean="0"/>
               <a:t>‹#›</a:t>
             </a:fld>
@@ -2014,7 +2014,7 @@
     </p:spTree>
     <p:extLst>
       <p:ext uri="{BB962C8B-B14F-4D97-AF65-F5344CB8AC3E}">
-        <p14:creationId xmlns:p14="http://schemas.microsoft.com/office/powerpoint/2010/main" val="2098808295"/>
+        <p14:creationId xmlns:p14="http://schemas.microsoft.com/office/powerpoint/2010/main" val="704015434"/>
       </p:ext>
     </p:extLst>
   </p:cSld>
@@ -2046,7 +2046,7 @@
           <p:cNvPr id="2" name="日期占位符 1">
             <a:extLst>
               <a:ext uri="{FF2B5EF4-FFF2-40B4-BE49-F238E27FC236}">
-                <a16:creationId xmlns:a16="http://schemas.microsoft.com/office/drawing/2014/main" id="{02089099-E501-0B6F-A4B8-EF511FBEF509}"/>
+                <a16:creationId xmlns:a16="http://schemas.microsoft.com/office/drawing/2014/main" id="{F14F1AC0-C11A-1F68-DE8D-0C8191194315}"/>
               </a:ext>
             </a:extLst>
           </p:cNvPr>
@@ -2062,7 +2062,7 @@
           <a:bodyPr/>
           <a:lstStyle/>
           <a:p>
-            <a:fld id="{16D14913-A671-4190-8CBA-C9D8F13E901C}" type="datetimeFigureOut">
+            <a:fld id="{C72870FC-862E-4D07-8659-89D067AB6A7F}" type="datetimeFigureOut">
               <a:rPr lang="zh-CN" altLang="en-US" smtClean="0"/>
               <a:t>2024/3/10</a:t>
             </a:fld>
@@ -2075,7 +2075,7 @@
           <p:cNvPr id="3" name="页脚占位符 2">
             <a:extLst>
               <a:ext uri="{FF2B5EF4-FFF2-40B4-BE49-F238E27FC236}">
-                <a16:creationId xmlns:a16="http://schemas.microsoft.com/office/drawing/2014/main" id="{C07F3FF9-1BFC-6CF9-F18E-718457C2E822}"/>
+                <a16:creationId xmlns:a16="http://schemas.microsoft.com/office/drawing/2014/main" id="{8E53EC17-C7BC-390A-E763-38AEFAF7FD6E}"/>
               </a:ext>
             </a:extLst>
           </p:cNvPr>
@@ -2100,7 +2100,7 @@
           <p:cNvPr id="4" name="灯片编号占位符 3">
             <a:extLst>
               <a:ext uri="{FF2B5EF4-FFF2-40B4-BE49-F238E27FC236}">
-                <a16:creationId xmlns:a16="http://schemas.microsoft.com/office/drawing/2014/main" id="{F51942F8-8791-E43F-A3FD-3E7A2C6EEF75}"/>
+                <a16:creationId xmlns:a16="http://schemas.microsoft.com/office/drawing/2014/main" id="{85E88403-4351-758D-F381-43E3F8F866A7}"/>
               </a:ext>
             </a:extLst>
           </p:cNvPr>
@@ -2116,7 +2116,7 @@
           <a:bodyPr/>
           <a:lstStyle/>
           <a:p>
-            <a:fld id="{112C05BF-095C-4021-B121-64BE843D56F8}" type="slidenum">
+            <a:fld id="{40FA6C62-D9EE-48C5-AD96-4F768CA97B93}" type="slidenum">
               <a:rPr lang="zh-CN" altLang="en-US" smtClean="0"/>
               <a:t>‹#›</a:t>
             </a:fld>
@@ -2127,7 +2127,7 @@
     </p:spTree>
     <p:extLst>
       <p:ext uri="{BB962C8B-B14F-4D97-AF65-F5344CB8AC3E}">
-        <p14:creationId xmlns:p14="http://schemas.microsoft.com/office/powerpoint/2010/main" val="3987112799"/>
+        <p14:creationId xmlns:p14="http://schemas.microsoft.com/office/powerpoint/2010/main" val="2313644405"/>
       </p:ext>
     </p:extLst>
   </p:cSld>
@@ -2159,7 +2159,7 @@
           <p:cNvPr id="2" name="标题 1">
             <a:extLst>
               <a:ext uri="{FF2B5EF4-FFF2-40B4-BE49-F238E27FC236}">
-                <a16:creationId xmlns:a16="http://schemas.microsoft.com/office/drawing/2014/main" id="{F1533E86-D416-95E2-88FF-D2458A5FF9D1}"/>
+                <a16:creationId xmlns:a16="http://schemas.microsoft.com/office/drawing/2014/main" id="{8AE04DB5-253F-7012-6A27-12A1384A16FC}"/>
               </a:ext>
             </a:extLst>
           </p:cNvPr>
@@ -2196,7 +2196,7 @@
           <p:cNvPr id="3" name="内容占位符 2">
             <a:extLst>
               <a:ext uri="{FF2B5EF4-FFF2-40B4-BE49-F238E27FC236}">
-                <a16:creationId xmlns:a16="http://schemas.microsoft.com/office/drawing/2014/main" id="{2D909637-3C4F-700D-CF42-5F80F65B4DD1}"/>
+                <a16:creationId xmlns:a16="http://schemas.microsoft.com/office/drawing/2014/main" id="{CD8528AC-EC5B-981A-0693-49DCDF4B8FC7}"/>
               </a:ext>
             </a:extLst>
           </p:cNvPr>
@@ -2286,7 +2286,7 @@
           <p:cNvPr id="4" name="文本占位符 3">
             <a:extLst>
               <a:ext uri="{FF2B5EF4-FFF2-40B4-BE49-F238E27FC236}">
-                <a16:creationId xmlns:a16="http://schemas.microsoft.com/office/drawing/2014/main" id="{96F36854-9D79-4A1A-9FE1-D98335EE18F1}"/>
+                <a16:creationId xmlns:a16="http://schemas.microsoft.com/office/drawing/2014/main" id="{86212BEB-6EFB-C1FA-B42D-007A0D340A5E}"/>
               </a:ext>
             </a:extLst>
           </p:cNvPr>
@@ -2357,7 +2357,7 @@
           <p:cNvPr id="5" name="日期占位符 4">
             <a:extLst>
               <a:ext uri="{FF2B5EF4-FFF2-40B4-BE49-F238E27FC236}">
-                <a16:creationId xmlns:a16="http://schemas.microsoft.com/office/drawing/2014/main" id="{B594C318-BBAA-114B-E455-9E7924C5FE0A}"/>
+                <a16:creationId xmlns:a16="http://schemas.microsoft.com/office/drawing/2014/main" id="{974FC6D9-F1C0-BC48-6462-C57249FF2FA5}"/>
               </a:ext>
             </a:extLst>
           </p:cNvPr>
@@ -2373,7 +2373,7 @@
           <a:bodyPr/>
           <a:lstStyle/>
           <a:p>
-            <a:fld id="{16D14913-A671-4190-8CBA-C9D8F13E901C}" type="datetimeFigureOut">
+            <a:fld id="{C72870FC-862E-4D07-8659-89D067AB6A7F}" type="datetimeFigureOut">
               <a:rPr lang="zh-CN" altLang="en-US" smtClean="0"/>
               <a:t>2024/3/10</a:t>
             </a:fld>
@@ -2386,7 +2386,7 @@
           <p:cNvPr id="6" name="页脚占位符 5">
             <a:extLst>
               <a:ext uri="{FF2B5EF4-FFF2-40B4-BE49-F238E27FC236}">
-                <a16:creationId xmlns:a16="http://schemas.microsoft.com/office/drawing/2014/main" id="{A6F70CA6-B055-0567-BC38-4EB45BF9050D}"/>
+                <a16:creationId xmlns:a16="http://schemas.microsoft.com/office/drawing/2014/main" id="{6495E22E-A104-C40E-2F87-461C072F224A}"/>
               </a:ext>
             </a:extLst>
           </p:cNvPr>
@@ -2411,7 +2411,7 @@
           <p:cNvPr id="7" name="灯片编号占位符 6">
             <a:extLst>
               <a:ext uri="{FF2B5EF4-FFF2-40B4-BE49-F238E27FC236}">
-                <a16:creationId xmlns:a16="http://schemas.microsoft.com/office/drawing/2014/main" id="{2149CDCE-80A0-7E40-EC7D-369F771454E1}"/>
+                <a16:creationId xmlns:a16="http://schemas.microsoft.com/office/drawing/2014/main" id="{0BD04B4E-D625-1BB5-2470-DF59553C3491}"/>
               </a:ext>
             </a:extLst>
           </p:cNvPr>
@@ -2427,7 +2427,7 @@
           <a:bodyPr/>
           <a:lstStyle/>
           <a:p>
-            <a:fld id="{112C05BF-095C-4021-B121-64BE843D56F8}" type="slidenum">
+            <a:fld id="{40FA6C62-D9EE-48C5-AD96-4F768CA97B93}" type="slidenum">
               <a:rPr lang="zh-CN" altLang="en-US" smtClean="0"/>
               <a:t>‹#›</a:t>
             </a:fld>
@@ -2438,7 +2438,7 @@
     </p:spTree>
     <p:extLst>
       <p:ext uri="{BB962C8B-B14F-4D97-AF65-F5344CB8AC3E}">
-        <p14:creationId xmlns:p14="http://schemas.microsoft.com/office/powerpoint/2010/main" val="2715855631"/>
+        <p14:creationId xmlns:p14="http://schemas.microsoft.com/office/powerpoint/2010/main" val="2711726014"/>
       </p:ext>
     </p:extLst>
   </p:cSld>
@@ -2470,7 +2470,7 @@
           <p:cNvPr id="2" name="标题 1">
             <a:extLst>
               <a:ext uri="{FF2B5EF4-FFF2-40B4-BE49-F238E27FC236}">
-                <a16:creationId xmlns:a16="http://schemas.microsoft.com/office/drawing/2014/main" id="{85A3C9E6-5920-A157-4446-88581BBCB1C5}"/>
+                <a16:creationId xmlns:a16="http://schemas.microsoft.com/office/drawing/2014/main" id="{0EE4FF7A-F07E-BDA9-2BB4-2624217E7052}"/>
               </a:ext>
             </a:extLst>
           </p:cNvPr>
@@ -2507,7 +2507,7 @@
           <p:cNvPr id="3" name="图片占位符 2">
             <a:extLst>
               <a:ext uri="{FF2B5EF4-FFF2-40B4-BE49-F238E27FC236}">
-                <a16:creationId xmlns:a16="http://schemas.microsoft.com/office/drawing/2014/main" id="{D8520672-D35B-B5A1-F416-26EE0D061F26}"/>
+                <a16:creationId xmlns:a16="http://schemas.microsoft.com/office/drawing/2014/main" id="{FF792EAA-C48C-719A-6838-33F148538B3B}"/>
               </a:ext>
             </a:extLst>
           </p:cNvPr>
@@ -2574,7 +2574,7 @@
           <p:cNvPr id="4" name="文本占位符 3">
             <a:extLst>
               <a:ext uri="{FF2B5EF4-FFF2-40B4-BE49-F238E27FC236}">
-                <a16:creationId xmlns:a16="http://schemas.microsoft.com/office/drawing/2014/main" id="{1162AD6F-835C-E31E-F70B-9F9FF5933F1F}"/>
+                <a16:creationId xmlns:a16="http://schemas.microsoft.com/office/drawing/2014/main" id="{5E05F477-1F04-400F-5894-9EE58882AA2D}"/>
               </a:ext>
             </a:extLst>
           </p:cNvPr>
@@ -2645,7 +2645,7 @@
           <p:cNvPr id="5" name="日期占位符 4">
             <a:extLst>
               <a:ext uri="{FF2B5EF4-FFF2-40B4-BE49-F238E27FC236}">
-                <a16:creationId xmlns:a16="http://schemas.microsoft.com/office/drawing/2014/main" id="{3F806266-D4E0-BCF7-680E-DDD34F25C969}"/>
+                <a16:creationId xmlns:a16="http://schemas.microsoft.com/office/drawing/2014/main" id="{11C4618F-2AD2-32E2-3B42-901C0D39F7AC}"/>
               </a:ext>
             </a:extLst>
           </p:cNvPr>
@@ -2661,7 +2661,7 @@
           <a:bodyPr/>
           <a:lstStyle/>
           <a:p>
-            <a:fld id="{16D14913-A671-4190-8CBA-C9D8F13E901C}" type="datetimeFigureOut">
+            <a:fld id="{C72870FC-862E-4D07-8659-89D067AB6A7F}" type="datetimeFigureOut">
               <a:rPr lang="zh-CN" altLang="en-US" smtClean="0"/>
               <a:t>2024/3/10</a:t>
             </a:fld>
@@ -2674,7 +2674,7 @@
           <p:cNvPr id="6" name="页脚占位符 5">
             <a:extLst>
               <a:ext uri="{FF2B5EF4-FFF2-40B4-BE49-F238E27FC236}">
-                <a16:creationId xmlns:a16="http://schemas.microsoft.com/office/drawing/2014/main" id="{C4FEA958-AA76-1B5B-0128-E7DC8893B106}"/>
+                <a16:creationId xmlns:a16="http://schemas.microsoft.com/office/drawing/2014/main" id="{ACFC0D3B-2099-BD3A-3C9F-83A758C0C153}"/>
               </a:ext>
             </a:extLst>
           </p:cNvPr>
@@ -2699,7 +2699,7 @@
           <p:cNvPr id="7" name="灯片编号占位符 6">
             <a:extLst>
               <a:ext uri="{FF2B5EF4-FFF2-40B4-BE49-F238E27FC236}">
-                <a16:creationId xmlns:a16="http://schemas.microsoft.com/office/drawing/2014/main" id="{A9AF708A-2168-DF14-BF1A-0B7596889C45}"/>
+                <a16:creationId xmlns:a16="http://schemas.microsoft.com/office/drawing/2014/main" id="{ECF18CAD-32A0-22C5-5A44-C794F69CC4B7}"/>
               </a:ext>
             </a:extLst>
           </p:cNvPr>
@@ -2715,7 +2715,7 @@
           <a:bodyPr/>
           <a:lstStyle/>
           <a:p>
-            <a:fld id="{112C05BF-095C-4021-B121-64BE843D56F8}" type="slidenum">
+            <a:fld id="{40FA6C62-D9EE-48C5-AD96-4F768CA97B93}" type="slidenum">
               <a:rPr lang="zh-CN" altLang="en-US" smtClean="0"/>
               <a:t>‹#›</a:t>
             </a:fld>
@@ -2726,7 +2726,7 @@
     </p:spTree>
     <p:extLst>
       <p:ext uri="{BB962C8B-B14F-4D97-AF65-F5344CB8AC3E}">
-        <p14:creationId xmlns:p14="http://schemas.microsoft.com/office/powerpoint/2010/main" val="1028025627"/>
+        <p14:creationId xmlns:p14="http://schemas.microsoft.com/office/powerpoint/2010/main" val="1681624893"/>
       </p:ext>
     </p:extLst>
   </p:cSld>
@@ -2763,7 +2763,7 @@
           <p:cNvPr id="2" name="标题占位符 1">
             <a:extLst>
               <a:ext uri="{FF2B5EF4-FFF2-40B4-BE49-F238E27FC236}">
-                <a16:creationId xmlns:a16="http://schemas.microsoft.com/office/drawing/2014/main" id="{A6E87AC0-A38A-297D-FCEE-35FB169021ED}"/>
+                <a16:creationId xmlns:a16="http://schemas.microsoft.com/office/drawing/2014/main" id="{C1613DBF-77D5-AECA-E0F7-2636366A32D1}"/>
               </a:ext>
             </a:extLst>
           </p:cNvPr>
@@ -2801,7 +2801,7 @@
           <p:cNvPr id="3" name="文本占位符 2">
             <a:extLst>
               <a:ext uri="{FF2B5EF4-FFF2-40B4-BE49-F238E27FC236}">
-                <a16:creationId xmlns:a16="http://schemas.microsoft.com/office/drawing/2014/main" id="{D68962EF-A5A3-FE10-C9EA-78E1756411AB}"/>
+                <a16:creationId xmlns:a16="http://schemas.microsoft.com/office/drawing/2014/main" id="{F74D4B12-5399-4077-F984-FEAA471344B4}"/>
               </a:ext>
             </a:extLst>
           </p:cNvPr>
@@ -2868,7 +2868,7 @@
           <p:cNvPr id="4" name="日期占位符 3">
             <a:extLst>
               <a:ext uri="{FF2B5EF4-FFF2-40B4-BE49-F238E27FC236}">
-                <a16:creationId xmlns:a16="http://schemas.microsoft.com/office/drawing/2014/main" id="{8F6F8E8A-FFA4-DA3F-10BC-233B191F5902}"/>
+                <a16:creationId xmlns:a16="http://schemas.microsoft.com/office/drawing/2014/main" id="{63B396FE-79B9-BAE1-3E13-69D7CCB11FA4}"/>
               </a:ext>
             </a:extLst>
           </p:cNvPr>
@@ -2902,7 +2902,7 @@
             </a:lvl1pPr>
           </a:lstStyle>
           <a:p>
-            <a:fld id="{16D14913-A671-4190-8CBA-C9D8F13E901C}" type="datetimeFigureOut">
+            <a:fld id="{C72870FC-862E-4D07-8659-89D067AB6A7F}" type="datetimeFigureOut">
               <a:rPr lang="zh-CN" altLang="en-US" smtClean="0"/>
               <a:t>2024/3/10</a:t>
             </a:fld>
@@ -2915,7 +2915,7 @@
           <p:cNvPr id="5" name="页脚占位符 4">
             <a:extLst>
               <a:ext uri="{FF2B5EF4-FFF2-40B4-BE49-F238E27FC236}">
-                <a16:creationId xmlns:a16="http://schemas.microsoft.com/office/drawing/2014/main" id="{DB4B9996-78E4-609D-BE77-ECEA11B082B2}"/>
+                <a16:creationId xmlns:a16="http://schemas.microsoft.com/office/drawing/2014/main" id="{00F8F49B-1812-2FC5-49A3-2017687FB00D}"/>
               </a:ext>
             </a:extLst>
           </p:cNvPr>
@@ -2958,7 +2958,7 @@
           <p:cNvPr id="6" name="灯片编号占位符 5">
             <a:extLst>
               <a:ext uri="{FF2B5EF4-FFF2-40B4-BE49-F238E27FC236}">
-                <a16:creationId xmlns:a16="http://schemas.microsoft.com/office/drawing/2014/main" id="{700EB83C-FC3B-DCA0-C72B-26A1DD5518F2}"/>
+                <a16:creationId xmlns:a16="http://schemas.microsoft.com/office/drawing/2014/main" id="{302FDC5E-E959-8671-BA38-DD9AEF8283D1}"/>
               </a:ext>
             </a:extLst>
           </p:cNvPr>
@@ -2992,7 +2992,7 @@
             </a:lvl1pPr>
           </a:lstStyle>
           <a:p>
-            <a:fld id="{112C05BF-095C-4021-B121-64BE843D56F8}" type="slidenum">
+            <a:fld id="{40FA6C62-D9EE-48C5-AD96-4F768CA97B93}" type="slidenum">
               <a:rPr lang="zh-CN" altLang="en-US" smtClean="0"/>
               <a:t>‹#›</a:t>
             </a:fld>
@@ -3003,7 +3003,7 @@
     </p:spTree>
     <p:extLst>
       <p:ext uri="{BB962C8B-B14F-4D97-AF65-F5344CB8AC3E}">
-        <p14:creationId xmlns:p14="http://schemas.microsoft.com/office/powerpoint/2010/main" val="759383976"/>
+        <p14:creationId xmlns:p14="http://schemas.microsoft.com/office/powerpoint/2010/main" val="4107300462"/>
       </p:ext>
     </p:extLst>
   </p:cSld>
